--- a/docs/Project_Proposal_Rohit_Anuja.pptx
+++ b/docs/Project_Proposal_Rohit_Anuja.pptx
@@ -119,6 +119,22 @@
       </a:defRPr>
     </a:lvl9pPr>
   </p:defaultTextStyle>
+  <p:extLst>
+    <p:ext uri="{EFAFB233-063F-42B5-8137-9DF3F51BA10A}">
+      <p15:sldGuideLst xmlns:p15="http://schemas.microsoft.com/office/powerpoint/2012/main">
+        <p15:guide id="1" orient="horz" pos="2160">
+          <p15:clr>
+            <a:srgbClr val="A4A3A4"/>
+          </p15:clr>
+        </p15:guide>
+        <p15:guide id="2" pos="2880">
+          <p15:clr>
+            <a:srgbClr val="A4A3A4"/>
+          </p15:clr>
+        </p15:guide>
+      </p15:sldGuideLst>
+    </p:ext>
+  </p:extLst>
 </p:presentation>
 </file>
 
@@ -304,7 +320,7 @@
             <a:fld id="{1D8BD707-D9CF-40AE-B4C6-C98DA3205C09}" type="datetimeFigureOut">
               <a:rPr lang="en-US" smtClean="0"/>
               <a:pPr/>
-              <a:t>5/19/2015</a:t>
+              <a:t>5/20/2015</a:t>
             </a:fld>
             <a:endParaRPr lang="en-US"/>
           </a:p>
@@ -471,7 +487,7 @@
             <a:fld id="{1D8BD707-D9CF-40AE-B4C6-C98DA3205C09}" type="datetimeFigureOut">
               <a:rPr lang="en-US" smtClean="0"/>
               <a:pPr/>
-              <a:t>5/19/2015</a:t>
+              <a:t>5/20/2015</a:t>
             </a:fld>
             <a:endParaRPr lang="en-US"/>
           </a:p>
@@ -648,7 +664,7 @@
             <a:fld id="{1D8BD707-D9CF-40AE-B4C6-C98DA3205C09}" type="datetimeFigureOut">
               <a:rPr lang="en-US" smtClean="0"/>
               <a:pPr/>
-              <a:t>5/19/2015</a:t>
+              <a:t>5/20/2015</a:t>
             </a:fld>
             <a:endParaRPr lang="en-US"/>
           </a:p>
@@ -815,7 +831,7 @@
             <a:fld id="{1D8BD707-D9CF-40AE-B4C6-C98DA3205C09}" type="datetimeFigureOut">
               <a:rPr lang="en-US" smtClean="0"/>
               <a:pPr/>
-              <a:t>5/19/2015</a:t>
+              <a:t>5/20/2015</a:t>
             </a:fld>
             <a:endParaRPr lang="en-US"/>
           </a:p>
@@ -1058,7 +1074,7 @@
             <a:fld id="{1D8BD707-D9CF-40AE-B4C6-C98DA3205C09}" type="datetimeFigureOut">
               <a:rPr lang="en-US" smtClean="0"/>
               <a:pPr/>
-              <a:t>5/19/2015</a:t>
+              <a:t>5/20/2015</a:t>
             </a:fld>
             <a:endParaRPr lang="en-US"/>
           </a:p>
@@ -1343,7 +1359,7 @@
             <a:fld id="{1D8BD707-D9CF-40AE-B4C6-C98DA3205C09}" type="datetimeFigureOut">
               <a:rPr lang="en-US" smtClean="0"/>
               <a:pPr/>
-              <a:t>5/19/2015</a:t>
+              <a:t>5/20/2015</a:t>
             </a:fld>
             <a:endParaRPr lang="en-US"/>
           </a:p>
@@ -1762,7 +1778,7 @@
             <a:fld id="{1D8BD707-D9CF-40AE-B4C6-C98DA3205C09}" type="datetimeFigureOut">
               <a:rPr lang="en-US" smtClean="0"/>
               <a:pPr/>
-              <a:t>5/19/2015</a:t>
+              <a:t>5/20/2015</a:t>
             </a:fld>
             <a:endParaRPr lang="en-US"/>
           </a:p>
@@ -1877,7 +1893,7 @@
             <a:fld id="{1D8BD707-D9CF-40AE-B4C6-C98DA3205C09}" type="datetimeFigureOut">
               <a:rPr lang="en-US" smtClean="0"/>
               <a:pPr/>
-              <a:t>5/19/2015</a:t>
+              <a:t>5/20/2015</a:t>
             </a:fld>
             <a:endParaRPr lang="en-US"/>
           </a:p>
@@ -1969,7 +1985,7 @@
             <a:fld id="{1D8BD707-D9CF-40AE-B4C6-C98DA3205C09}" type="datetimeFigureOut">
               <a:rPr lang="en-US" smtClean="0"/>
               <a:pPr/>
-              <a:t>5/19/2015</a:t>
+              <a:t>5/20/2015</a:t>
             </a:fld>
             <a:endParaRPr lang="en-US"/>
           </a:p>
@@ -2243,7 +2259,7 @@
             <a:fld id="{1D8BD707-D9CF-40AE-B4C6-C98DA3205C09}" type="datetimeFigureOut">
               <a:rPr lang="en-US" smtClean="0"/>
               <a:pPr/>
-              <a:t>5/19/2015</a:t>
+              <a:t>5/20/2015</a:t>
             </a:fld>
             <a:endParaRPr lang="en-US"/>
           </a:p>
@@ -2493,7 +2509,7 @@
             <a:fld id="{1D8BD707-D9CF-40AE-B4C6-C98DA3205C09}" type="datetimeFigureOut">
               <a:rPr lang="en-US" smtClean="0"/>
               <a:pPr/>
-              <a:t>5/19/2015</a:t>
+              <a:t>5/20/2015</a:t>
             </a:fld>
             <a:endParaRPr lang="en-US"/>
           </a:p>
@@ -2703,7 +2719,7 @@
             <a:fld id="{1D8BD707-D9CF-40AE-B4C6-C98DA3205C09}" type="datetimeFigureOut">
               <a:rPr lang="en-US" smtClean="0"/>
               <a:pPr/>
-              <a:t>5/19/2015</a:t>
+              <a:t>5/20/2015</a:t>
             </a:fld>
             <a:endParaRPr lang="en-US"/>
           </a:p>
@@ -3315,15 +3331,7 @@
             <a:pPr lvl="1"/>
             <a:r>
               <a:rPr lang="en-US" dirty="0" smtClean="0"/>
-              <a:t>On asserting reset, next </a:t>
-            </a:r>
-            <a:r>
-              <a:rPr lang="en-US" dirty="0" smtClean="0"/>
-              <a:t>instruction should be fetched from </a:t>
-            </a:r>
-            <a:r>
-              <a:rPr lang="en-US" dirty="0" smtClean="0"/>
-              <a:t>o200</a:t>
+              <a:t>On asserting reset, next instruction should be fetched from o200</a:t>
             </a:r>
           </a:p>
           <a:p>
@@ -3339,7 +3347,6 @@
               <a:rPr lang="en-US" dirty="0" smtClean="0"/>
               <a:t>No instructions are fetched after going into DONE state</a:t>
             </a:r>
-            <a:endParaRPr lang="en-US" dirty="0" smtClean="0"/>
           </a:p>
           <a:p>
             <a:pPr lvl="1">
@@ -3777,7 +3784,6 @@
               <a:rPr lang="en-US" dirty="0" smtClean="0"/>
               <a:t>	State coverage,  Arc coverage, Path Coverage</a:t>
             </a:r>
-            <a:endParaRPr lang="en-US" dirty="0" smtClean="0"/>
           </a:p>
           <a:p>
             <a:endParaRPr lang="en-US" dirty="0"/>
@@ -4010,13 +4016,8 @@
             </a:pPr>
             <a:r>
               <a:rPr lang="en-US" dirty="0" smtClean="0"/>
-              <a:t> </a:t>
-            </a:r>
-            <a:r>
-              <a:rPr lang="en-US" dirty="0" smtClean="0"/>
-              <a:t>	</a:t>
-            </a:r>
-            <a:endParaRPr lang="en-US" dirty="0" smtClean="0"/>
+              <a:t> 	</a:t>
+            </a:r>
           </a:p>
         </p:txBody>
       </p:sp>
